--- a/Document/던드림즈 마케팅/창업보육센터/사전광고_보완서류2/던드림즈 사전광고 보고서_진행내역추가.pptx
+++ b/Document/던드림즈 마케팅/창업보육센터/사전광고_보완서류2/던드림즈 사전광고 보고서_진행내역추가.pptx
@@ -5601,36 +5601,6 @@
           </a:p>
         </p:txBody>
       </p:sp>
-      <p:pic>
-        <p:nvPicPr>
-          <p:cNvPr id="8" name="그림 7">
-            <a:extLst>
-              <a:ext uri="{FF2B5EF4-FFF2-40B4-BE49-F238E27FC236}">
-                <a16:creationId xmlns:a16="http://schemas.microsoft.com/office/drawing/2014/main" id="{1E68C9AB-6948-4103-A714-2474CED46E07}"/>
-              </a:ext>
-            </a:extLst>
-          </p:cNvPr>
-          <p:cNvPicPr>
-            <a:picLocks noChangeAspect="1"/>
-          </p:cNvPicPr>
-          <p:nvPr/>
-        </p:nvPicPr>
-        <p:blipFill>
-          <a:blip r:embed="rId3"/>
-          <a:stretch>
-            <a:fillRect/>
-          </a:stretch>
-        </p:blipFill>
-        <p:spPr>
-          <a:xfrm>
-            <a:off x="1684585" y="1910274"/>
-            <a:ext cx="8642262" cy="4176611"/>
-          </a:xfrm>
-          <a:prstGeom prst="rect">
-            <a:avLst/>
-          </a:prstGeom>
-        </p:spPr>
-      </p:pic>
       <p:cxnSp>
         <p:nvCxnSpPr>
           <p:cNvPr id="11" name="직선 연결선[R] 11">
@@ -5689,7 +5659,7 @@
           <p:nvPr/>
         </p:nvPicPr>
         <p:blipFill>
-          <a:blip r:embed="rId4"/>
+          <a:blip r:embed="rId3"/>
           <a:stretch>
             <a:fillRect/>
           </a:stretch>
@@ -5704,6 +5674,1310 @@
           </a:prstGeom>
         </p:spPr>
       </p:pic>
+      <p:sp>
+        <p:nvSpPr>
+          <p:cNvPr id="2" name="직사각형 1">
+            <a:extLst>
+              <a:ext uri="{FF2B5EF4-FFF2-40B4-BE49-F238E27FC236}">
+                <a16:creationId xmlns:a16="http://schemas.microsoft.com/office/drawing/2014/main" id="{87A041AD-EC2F-692E-F357-7DF87D8CDEAE}"/>
+              </a:ext>
+            </a:extLst>
+          </p:cNvPr>
+          <p:cNvSpPr/>
+          <p:nvPr/>
+        </p:nvSpPr>
+        <p:spPr>
+          <a:xfrm>
+            <a:off x="1114425" y="3533775"/>
+            <a:ext cx="1533525" cy="400110"/>
+          </a:xfrm>
+          <a:prstGeom prst="rect">
+            <a:avLst/>
+          </a:prstGeom>
+          <a:solidFill>
+            <a:schemeClr val="bg2">
+              <a:lumMod val="25000"/>
+            </a:schemeClr>
+          </a:solidFill>
+          <a:ln>
+            <a:solidFill>
+              <a:schemeClr val="tx1"/>
+            </a:solidFill>
+          </a:ln>
+        </p:spPr>
+        <p:style>
+          <a:lnRef idx="2">
+            <a:schemeClr val="accent1">
+              <a:shade val="15000"/>
+            </a:schemeClr>
+          </a:lnRef>
+          <a:fillRef idx="1">
+            <a:schemeClr val="accent1"/>
+          </a:fillRef>
+          <a:effectRef idx="0">
+            <a:schemeClr val="accent1"/>
+          </a:effectRef>
+          <a:fontRef idx="minor">
+            <a:schemeClr val="lt1"/>
+          </a:fontRef>
+        </p:style>
+        <p:txBody>
+          <a:bodyPr rtlCol="0" anchor="ctr"/>
+          <a:lstStyle/>
+          <a:p>
+            <a:pPr algn="ctr"/>
+            <a:r>
+              <a:rPr lang="en-US" altLang="ko-KR" dirty="0"/>
+              <a:t>START</a:t>
+            </a:r>
+            <a:endParaRPr lang="ko-KR" altLang="en-US" dirty="0"/>
+          </a:p>
+        </p:txBody>
+      </p:sp>
+      <p:cxnSp>
+        <p:nvCxnSpPr>
+          <p:cNvPr id="4" name="직선 연결선 3">
+            <a:extLst>
+              <a:ext uri="{FF2B5EF4-FFF2-40B4-BE49-F238E27FC236}">
+                <a16:creationId xmlns:a16="http://schemas.microsoft.com/office/drawing/2014/main" id="{6A24C440-6C36-6876-A591-7DF0AC806DEB}"/>
+              </a:ext>
+            </a:extLst>
+          </p:cNvPr>
+          <p:cNvCxnSpPr>
+            <a:stCxn id="2" idx="3"/>
+          </p:cNvCxnSpPr>
+          <p:nvPr/>
+        </p:nvCxnSpPr>
+        <p:spPr>
+          <a:xfrm>
+            <a:off x="2647950" y="3733830"/>
+            <a:ext cx="6572250" cy="47595"/>
+          </a:xfrm>
+          <a:prstGeom prst="line">
+            <a:avLst/>
+          </a:prstGeom>
+          <a:ln>
+            <a:solidFill>
+              <a:schemeClr val="tx1"/>
+            </a:solidFill>
+          </a:ln>
+        </p:spPr>
+        <p:style>
+          <a:lnRef idx="1">
+            <a:schemeClr val="accent1"/>
+          </a:lnRef>
+          <a:fillRef idx="0">
+            <a:schemeClr val="accent1"/>
+          </a:fillRef>
+          <a:effectRef idx="0">
+            <a:schemeClr val="accent1"/>
+          </a:effectRef>
+          <a:fontRef idx="minor">
+            <a:schemeClr val="tx1"/>
+          </a:fontRef>
+        </p:style>
+      </p:cxnSp>
+      <p:sp>
+        <p:nvSpPr>
+          <p:cNvPr id="7" name="직사각형 6">
+            <a:extLst>
+              <a:ext uri="{FF2B5EF4-FFF2-40B4-BE49-F238E27FC236}">
+                <a16:creationId xmlns:a16="http://schemas.microsoft.com/office/drawing/2014/main" id="{370683CB-08D3-BF41-335D-D05875EB7B75}"/>
+              </a:ext>
+            </a:extLst>
+          </p:cNvPr>
+          <p:cNvSpPr/>
+          <p:nvPr/>
+        </p:nvSpPr>
+        <p:spPr>
+          <a:xfrm>
+            <a:off x="9220200" y="3557572"/>
+            <a:ext cx="1533525" cy="400110"/>
+          </a:xfrm>
+          <a:prstGeom prst="rect">
+            <a:avLst/>
+          </a:prstGeom>
+          <a:solidFill>
+            <a:schemeClr val="bg2">
+              <a:lumMod val="25000"/>
+            </a:schemeClr>
+          </a:solidFill>
+          <a:ln>
+            <a:solidFill>
+              <a:schemeClr val="tx1"/>
+            </a:solidFill>
+          </a:ln>
+        </p:spPr>
+        <p:style>
+          <a:lnRef idx="2">
+            <a:schemeClr val="accent1">
+              <a:shade val="15000"/>
+            </a:schemeClr>
+          </a:lnRef>
+          <a:fillRef idx="1">
+            <a:schemeClr val="accent1"/>
+          </a:fillRef>
+          <a:effectRef idx="0">
+            <a:schemeClr val="accent1"/>
+          </a:effectRef>
+          <a:fontRef idx="minor">
+            <a:schemeClr val="lt1"/>
+          </a:fontRef>
+        </p:style>
+        <p:txBody>
+          <a:bodyPr rtlCol="0" anchor="ctr"/>
+          <a:lstStyle/>
+          <a:p>
+            <a:pPr algn="ctr"/>
+            <a:r>
+              <a:rPr lang="en-US" altLang="ko-KR" dirty="0"/>
+              <a:t>FINISH</a:t>
+            </a:r>
+            <a:endParaRPr lang="ko-KR" altLang="en-US" dirty="0"/>
+          </a:p>
+        </p:txBody>
+      </p:sp>
+      <p:sp>
+        <p:nvSpPr>
+          <p:cNvPr id="10" name="직사각형 9">
+            <a:extLst>
+              <a:ext uri="{FF2B5EF4-FFF2-40B4-BE49-F238E27FC236}">
+                <a16:creationId xmlns:a16="http://schemas.microsoft.com/office/drawing/2014/main" id="{7713096D-E645-0825-8A7B-C24CB1499AC7}"/>
+              </a:ext>
+            </a:extLst>
+          </p:cNvPr>
+          <p:cNvSpPr/>
+          <p:nvPr/>
+        </p:nvSpPr>
+        <p:spPr>
+          <a:xfrm>
+            <a:off x="2733675" y="4609980"/>
+            <a:ext cx="1352550" cy="1042332"/>
+          </a:xfrm>
+          <a:prstGeom prst="rect">
+            <a:avLst/>
+          </a:prstGeom>
+          <a:solidFill>
+            <a:schemeClr val="bg2">
+              <a:lumMod val="25000"/>
+            </a:schemeClr>
+          </a:solidFill>
+        </p:spPr>
+        <p:style>
+          <a:lnRef idx="2">
+            <a:schemeClr val="accent1">
+              <a:shade val="15000"/>
+            </a:schemeClr>
+          </a:lnRef>
+          <a:fillRef idx="1">
+            <a:schemeClr val="accent1"/>
+          </a:fillRef>
+          <a:effectRef idx="0">
+            <a:schemeClr val="accent1"/>
+          </a:effectRef>
+          <a:fontRef idx="minor">
+            <a:schemeClr val="lt1"/>
+          </a:fontRef>
+        </p:style>
+        <p:txBody>
+          <a:bodyPr rtlCol="0" anchor="ctr"/>
+          <a:lstStyle/>
+          <a:p>
+            <a:pPr algn="ctr"/>
+            <a:r>
+              <a:rPr lang="en-US" altLang="ko-KR" dirty="0"/>
+              <a:t>11</a:t>
+            </a:r>
+            <a:r>
+              <a:rPr lang="ko-KR" altLang="en-US" dirty="0"/>
+              <a:t>월</a:t>
+            </a:r>
+            <a:br>
+              <a:rPr lang="en-US" altLang="ko-KR" dirty="0"/>
+            </a:br>
+            <a:r>
+              <a:rPr lang="en-US" altLang="ko-KR" sz="4400" dirty="0"/>
+              <a:t>1</a:t>
+            </a:r>
+            <a:endParaRPr lang="ko-KR" altLang="en-US" sz="4400" dirty="0"/>
+          </a:p>
+        </p:txBody>
+      </p:sp>
+      <p:sp>
+        <p:nvSpPr>
+          <p:cNvPr id="15" name="직사각형 14">
+            <a:extLst>
+              <a:ext uri="{FF2B5EF4-FFF2-40B4-BE49-F238E27FC236}">
+                <a16:creationId xmlns:a16="http://schemas.microsoft.com/office/drawing/2014/main" id="{9077D63B-18BD-D022-7C28-727BB4C6537D}"/>
+              </a:ext>
+            </a:extLst>
+          </p:cNvPr>
+          <p:cNvSpPr/>
+          <p:nvPr/>
+        </p:nvSpPr>
+        <p:spPr>
+          <a:xfrm>
+            <a:off x="2733675" y="4060862"/>
+            <a:ext cx="1352550" cy="400110"/>
+          </a:xfrm>
+          <a:prstGeom prst="rect">
+            <a:avLst/>
+          </a:prstGeom>
+          <a:solidFill>
+            <a:schemeClr val="bg2">
+              <a:lumMod val="25000"/>
+            </a:schemeClr>
+          </a:solidFill>
+          <a:ln>
+            <a:solidFill>
+              <a:schemeClr val="tx1"/>
+            </a:solidFill>
+          </a:ln>
+        </p:spPr>
+        <p:style>
+          <a:lnRef idx="2">
+            <a:schemeClr val="accent1">
+              <a:shade val="15000"/>
+            </a:schemeClr>
+          </a:lnRef>
+          <a:fillRef idx="1">
+            <a:schemeClr val="accent1"/>
+          </a:fillRef>
+          <a:effectRef idx="0">
+            <a:schemeClr val="accent1"/>
+          </a:effectRef>
+          <a:fontRef idx="minor">
+            <a:schemeClr val="lt1"/>
+          </a:fontRef>
+        </p:style>
+        <p:txBody>
+          <a:bodyPr rtlCol="0" anchor="ctr"/>
+          <a:lstStyle/>
+          <a:p>
+            <a:pPr algn="ctr"/>
+            <a:r>
+              <a:rPr lang="ko-KR" altLang="en-US" dirty="0"/>
+              <a:t>기획</a:t>
+            </a:r>
+          </a:p>
+        </p:txBody>
+      </p:sp>
+      <p:sp>
+        <p:nvSpPr>
+          <p:cNvPr id="16" name="타원 15">
+            <a:extLst>
+              <a:ext uri="{FF2B5EF4-FFF2-40B4-BE49-F238E27FC236}">
+                <a16:creationId xmlns:a16="http://schemas.microsoft.com/office/drawing/2014/main" id="{4C99A9FB-D386-2929-CB5A-D491D6480237}"/>
+              </a:ext>
+            </a:extLst>
+          </p:cNvPr>
+          <p:cNvSpPr/>
+          <p:nvPr/>
+        </p:nvSpPr>
+        <p:spPr>
+          <a:xfrm>
+            <a:off x="3233737" y="3557572"/>
+            <a:ext cx="352425" cy="376313"/>
+          </a:xfrm>
+          <a:prstGeom prst="ellipse">
+            <a:avLst/>
+          </a:prstGeom>
+          <a:solidFill>
+            <a:schemeClr val="tx1">
+              <a:lumMod val="85000"/>
+              <a:lumOff val="15000"/>
+            </a:schemeClr>
+          </a:solidFill>
+        </p:spPr>
+        <p:style>
+          <a:lnRef idx="2">
+            <a:schemeClr val="accent1">
+              <a:shade val="15000"/>
+            </a:schemeClr>
+          </a:lnRef>
+          <a:fillRef idx="1">
+            <a:schemeClr val="accent1"/>
+          </a:fillRef>
+          <a:effectRef idx="0">
+            <a:schemeClr val="accent1"/>
+          </a:effectRef>
+          <a:fontRef idx="minor">
+            <a:schemeClr val="lt1"/>
+          </a:fontRef>
+        </p:style>
+        <p:txBody>
+          <a:bodyPr rtlCol="0" anchor="ctr"/>
+          <a:lstStyle/>
+          <a:p>
+            <a:pPr algn="ctr"/>
+            <a:endParaRPr lang="ko-KR" altLang="en-US"/>
+          </a:p>
+        </p:txBody>
+      </p:sp>
+      <p:cxnSp>
+        <p:nvCxnSpPr>
+          <p:cNvPr id="18" name="직선 연결선 17">
+            <a:extLst>
+              <a:ext uri="{FF2B5EF4-FFF2-40B4-BE49-F238E27FC236}">
+                <a16:creationId xmlns:a16="http://schemas.microsoft.com/office/drawing/2014/main" id="{3539215B-02D0-5570-66EF-C43FA69F9356}"/>
+              </a:ext>
+            </a:extLst>
+          </p:cNvPr>
+          <p:cNvCxnSpPr>
+            <a:stCxn id="16" idx="0"/>
+          </p:cNvCxnSpPr>
+          <p:nvPr/>
+        </p:nvCxnSpPr>
+        <p:spPr>
+          <a:xfrm flipH="1" flipV="1">
+            <a:off x="3409949" y="2295525"/>
+            <a:ext cx="1" cy="1262047"/>
+          </a:xfrm>
+          <a:prstGeom prst="line">
+            <a:avLst/>
+          </a:prstGeom>
+          <a:ln>
+            <a:solidFill>
+              <a:schemeClr val="tx1"/>
+            </a:solidFill>
+          </a:ln>
+        </p:spPr>
+        <p:style>
+          <a:lnRef idx="1">
+            <a:schemeClr val="accent1"/>
+          </a:lnRef>
+          <a:fillRef idx="0">
+            <a:schemeClr val="accent1"/>
+          </a:fillRef>
+          <a:effectRef idx="0">
+            <a:schemeClr val="accent1"/>
+          </a:effectRef>
+          <a:fontRef idx="minor">
+            <a:schemeClr val="tx1"/>
+          </a:fontRef>
+        </p:style>
+      </p:cxnSp>
+      <p:sp>
+        <p:nvSpPr>
+          <p:cNvPr id="19" name="TextBox 18">
+            <a:extLst>
+              <a:ext uri="{FF2B5EF4-FFF2-40B4-BE49-F238E27FC236}">
+                <a16:creationId xmlns:a16="http://schemas.microsoft.com/office/drawing/2014/main" id="{7B1ED94C-8BBF-3191-E5AD-2B61AE73FF70}"/>
+              </a:ext>
+            </a:extLst>
+          </p:cNvPr>
+          <p:cNvSpPr txBox="1"/>
+          <p:nvPr/>
+        </p:nvSpPr>
+        <p:spPr>
+          <a:xfrm>
+            <a:off x="3538538" y="2279257"/>
+            <a:ext cx="1595436" cy="1107996"/>
+          </a:xfrm>
+          <a:prstGeom prst="rect">
+            <a:avLst/>
+          </a:prstGeom>
+          <a:noFill/>
+        </p:spPr>
+        <p:txBody>
+          <a:bodyPr wrap="square" rtlCol="0">
+            <a:spAutoFit/>
+          </a:bodyPr>
+          <a:lstStyle/>
+          <a:p>
+            <a:r>
+              <a:rPr lang="ko-KR" altLang="en-US" dirty="0"/>
+              <a:t>기획</a:t>
+            </a:r>
+            <a:br>
+              <a:rPr lang="en-US" altLang="ko-KR" dirty="0"/>
+            </a:br>
+            <a:endParaRPr lang="en-US" altLang="ko-KR" sz="800" dirty="0"/>
+          </a:p>
+          <a:p>
+            <a:r>
+              <a:rPr lang="ko-KR" altLang="en-US" sz="800" dirty="0"/>
+              <a:t>블로그 게시 내용 선정</a:t>
+            </a:r>
+            <a:br>
+              <a:rPr lang="en-US" altLang="ko-KR" sz="800" dirty="0"/>
+            </a:br>
+            <a:r>
+              <a:rPr lang="en-US" altLang="ko-KR" sz="800" dirty="0"/>
+              <a:t>SNS </a:t>
+            </a:r>
+            <a:r>
+              <a:rPr lang="ko-KR" altLang="en-US" sz="800" dirty="0"/>
+              <a:t>광고 게시글 태그 설정</a:t>
+            </a:r>
+            <a:br>
+              <a:rPr lang="en-US" altLang="ko-KR" sz="800" dirty="0"/>
+            </a:br>
+            <a:r>
+              <a:rPr lang="en-US" altLang="ko-KR" sz="800" dirty="0"/>
+              <a:t>SNS </a:t>
+            </a:r>
+            <a:r>
+              <a:rPr lang="ko-KR" altLang="en-US" sz="800" dirty="0"/>
+              <a:t>광고에 사용할 금액 선정</a:t>
+            </a:r>
+            <a:br>
+              <a:rPr lang="en-US" altLang="ko-KR" sz="800" dirty="0"/>
+            </a:br>
+            <a:r>
+              <a:rPr lang="en-US" altLang="ko-KR" sz="800" dirty="0"/>
+              <a:t>SNS </a:t>
+            </a:r>
+            <a:r>
+              <a:rPr lang="ko-KR" altLang="en-US" sz="800" dirty="0"/>
+              <a:t>광고에 사용될 내용 선정</a:t>
+            </a:r>
+            <a:br>
+              <a:rPr lang="en-US" altLang="ko-KR" sz="800" dirty="0"/>
+            </a:br>
+            <a:r>
+              <a:rPr lang="ko-KR" altLang="en-US" sz="800" dirty="0"/>
+              <a:t>인스타그램 배너 디자인</a:t>
+            </a:r>
+          </a:p>
+        </p:txBody>
+      </p:sp>
+      <p:sp>
+        <p:nvSpPr>
+          <p:cNvPr id="40" name="직사각형 39">
+            <a:extLst>
+              <a:ext uri="{FF2B5EF4-FFF2-40B4-BE49-F238E27FC236}">
+                <a16:creationId xmlns:a16="http://schemas.microsoft.com/office/drawing/2014/main" id="{FA594B05-9DC2-03EA-8587-80E3B91DE9EA}"/>
+              </a:ext>
+            </a:extLst>
+          </p:cNvPr>
+          <p:cNvSpPr/>
+          <p:nvPr/>
+        </p:nvSpPr>
+        <p:spPr>
+          <a:xfrm>
+            <a:off x="4437637" y="4607941"/>
+            <a:ext cx="1352550" cy="1042332"/>
+          </a:xfrm>
+          <a:prstGeom prst="rect">
+            <a:avLst/>
+          </a:prstGeom>
+          <a:solidFill>
+            <a:schemeClr val="bg2">
+              <a:lumMod val="25000"/>
+            </a:schemeClr>
+          </a:solidFill>
+        </p:spPr>
+        <p:style>
+          <a:lnRef idx="2">
+            <a:schemeClr val="accent1">
+              <a:shade val="15000"/>
+            </a:schemeClr>
+          </a:lnRef>
+          <a:fillRef idx="1">
+            <a:schemeClr val="accent1"/>
+          </a:fillRef>
+          <a:effectRef idx="0">
+            <a:schemeClr val="accent1"/>
+          </a:effectRef>
+          <a:fontRef idx="minor">
+            <a:schemeClr val="lt1"/>
+          </a:fontRef>
+        </p:style>
+        <p:txBody>
+          <a:bodyPr rtlCol="0" anchor="ctr"/>
+          <a:lstStyle/>
+          <a:p>
+            <a:pPr algn="ctr"/>
+            <a:r>
+              <a:rPr lang="en-US" altLang="ko-KR" dirty="0"/>
+              <a:t>11</a:t>
+            </a:r>
+            <a:r>
+              <a:rPr lang="ko-KR" altLang="en-US" dirty="0"/>
+              <a:t>월</a:t>
+            </a:r>
+            <a:br>
+              <a:rPr lang="en-US" altLang="ko-KR" dirty="0"/>
+            </a:br>
+            <a:r>
+              <a:rPr lang="en-US" altLang="ko-KR" sz="4400" dirty="0"/>
+              <a:t>14</a:t>
+            </a:r>
+            <a:endParaRPr lang="ko-KR" altLang="en-US" sz="4400" dirty="0"/>
+          </a:p>
+        </p:txBody>
+      </p:sp>
+      <p:sp>
+        <p:nvSpPr>
+          <p:cNvPr id="41" name="직사각형 40">
+            <a:extLst>
+              <a:ext uri="{FF2B5EF4-FFF2-40B4-BE49-F238E27FC236}">
+                <a16:creationId xmlns:a16="http://schemas.microsoft.com/office/drawing/2014/main" id="{3979DFF2-A0F9-B2DA-CA83-86811CA40F4E}"/>
+              </a:ext>
+            </a:extLst>
+          </p:cNvPr>
+          <p:cNvSpPr/>
+          <p:nvPr/>
+        </p:nvSpPr>
+        <p:spPr>
+          <a:xfrm>
+            <a:off x="4437637" y="4058823"/>
+            <a:ext cx="1352550" cy="400110"/>
+          </a:xfrm>
+          <a:prstGeom prst="rect">
+            <a:avLst/>
+          </a:prstGeom>
+          <a:solidFill>
+            <a:schemeClr val="bg2">
+              <a:lumMod val="25000"/>
+            </a:schemeClr>
+          </a:solidFill>
+          <a:ln>
+            <a:solidFill>
+              <a:schemeClr val="tx1"/>
+            </a:solidFill>
+          </a:ln>
+        </p:spPr>
+        <p:style>
+          <a:lnRef idx="2">
+            <a:schemeClr val="accent1">
+              <a:shade val="15000"/>
+            </a:schemeClr>
+          </a:lnRef>
+          <a:fillRef idx="1">
+            <a:schemeClr val="accent1"/>
+          </a:fillRef>
+          <a:effectRef idx="0">
+            <a:schemeClr val="accent1"/>
+          </a:effectRef>
+          <a:fontRef idx="minor">
+            <a:schemeClr val="lt1"/>
+          </a:fontRef>
+        </p:style>
+        <p:txBody>
+          <a:bodyPr rtlCol="0" anchor="ctr"/>
+          <a:lstStyle/>
+          <a:p>
+            <a:pPr algn="ctr"/>
+            <a:r>
+              <a:rPr lang="ko-KR" altLang="en-US" dirty="0"/>
+              <a:t>실행</a:t>
+            </a:r>
+          </a:p>
+        </p:txBody>
+      </p:sp>
+      <p:sp>
+        <p:nvSpPr>
+          <p:cNvPr id="42" name="타원 41">
+            <a:extLst>
+              <a:ext uri="{FF2B5EF4-FFF2-40B4-BE49-F238E27FC236}">
+                <a16:creationId xmlns:a16="http://schemas.microsoft.com/office/drawing/2014/main" id="{7FF83460-1433-FB1F-FBC6-ACE1A0BB52D7}"/>
+              </a:ext>
+            </a:extLst>
+          </p:cNvPr>
+          <p:cNvSpPr/>
+          <p:nvPr/>
+        </p:nvSpPr>
+        <p:spPr>
+          <a:xfrm>
+            <a:off x="4937699" y="3555533"/>
+            <a:ext cx="352425" cy="376313"/>
+          </a:xfrm>
+          <a:prstGeom prst="ellipse">
+            <a:avLst/>
+          </a:prstGeom>
+          <a:solidFill>
+            <a:schemeClr val="tx1">
+              <a:lumMod val="85000"/>
+              <a:lumOff val="15000"/>
+            </a:schemeClr>
+          </a:solidFill>
+        </p:spPr>
+        <p:style>
+          <a:lnRef idx="2">
+            <a:schemeClr val="accent1">
+              <a:shade val="15000"/>
+            </a:schemeClr>
+          </a:lnRef>
+          <a:fillRef idx="1">
+            <a:schemeClr val="accent1"/>
+          </a:fillRef>
+          <a:effectRef idx="0">
+            <a:schemeClr val="accent1"/>
+          </a:effectRef>
+          <a:fontRef idx="minor">
+            <a:schemeClr val="lt1"/>
+          </a:fontRef>
+        </p:style>
+        <p:txBody>
+          <a:bodyPr rtlCol="0" anchor="ctr"/>
+          <a:lstStyle/>
+          <a:p>
+            <a:pPr algn="ctr"/>
+            <a:endParaRPr lang="ko-KR" altLang="en-US"/>
+          </a:p>
+        </p:txBody>
+      </p:sp>
+      <p:cxnSp>
+        <p:nvCxnSpPr>
+          <p:cNvPr id="43" name="직선 연결선 42">
+            <a:extLst>
+              <a:ext uri="{FF2B5EF4-FFF2-40B4-BE49-F238E27FC236}">
+                <a16:creationId xmlns:a16="http://schemas.microsoft.com/office/drawing/2014/main" id="{757C3582-D40C-B93D-F9F4-35E0E594476A}"/>
+              </a:ext>
+            </a:extLst>
+          </p:cNvPr>
+          <p:cNvCxnSpPr>
+            <a:stCxn id="42" idx="0"/>
+          </p:cNvCxnSpPr>
+          <p:nvPr/>
+        </p:nvCxnSpPr>
+        <p:spPr>
+          <a:xfrm flipH="1" flipV="1">
+            <a:off x="5113911" y="2293486"/>
+            <a:ext cx="1" cy="1262047"/>
+          </a:xfrm>
+          <a:prstGeom prst="line">
+            <a:avLst/>
+          </a:prstGeom>
+          <a:ln>
+            <a:solidFill>
+              <a:schemeClr val="tx1"/>
+            </a:solidFill>
+          </a:ln>
+        </p:spPr>
+        <p:style>
+          <a:lnRef idx="1">
+            <a:schemeClr val="accent1"/>
+          </a:lnRef>
+          <a:fillRef idx="0">
+            <a:schemeClr val="accent1"/>
+          </a:fillRef>
+          <a:effectRef idx="0">
+            <a:schemeClr val="accent1"/>
+          </a:effectRef>
+          <a:fontRef idx="minor">
+            <a:schemeClr val="tx1"/>
+          </a:fontRef>
+        </p:style>
+      </p:cxnSp>
+      <p:sp>
+        <p:nvSpPr>
+          <p:cNvPr id="44" name="TextBox 43">
+            <a:extLst>
+              <a:ext uri="{FF2B5EF4-FFF2-40B4-BE49-F238E27FC236}">
+                <a16:creationId xmlns:a16="http://schemas.microsoft.com/office/drawing/2014/main" id="{C8549748-7AAF-E287-9154-BDD07D631AB0}"/>
+              </a:ext>
+            </a:extLst>
+          </p:cNvPr>
+          <p:cNvSpPr txBox="1"/>
+          <p:nvPr/>
+        </p:nvSpPr>
+        <p:spPr>
+          <a:xfrm>
+            <a:off x="5242500" y="2277218"/>
+            <a:ext cx="1595436" cy="861774"/>
+          </a:xfrm>
+          <a:prstGeom prst="rect">
+            <a:avLst/>
+          </a:prstGeom>
+          <a:noFill/>
+        </p:spPr>
+        <p:txBody>
+          <a:bodyPr wrap="square" rtlCol="0">
+            <a:spAutoFit/>
+          </a:bodyPr>
+          <a:lstStyle/>
+          <a:p>
+            <a:r>
+              <a:rPr lang="ko-KR" altLang="en-US" dirty="0"/>
+              <a:t>실행</a:t>
+            </a:r>
+            <a:br>
+              <a:rPr lang="en-US" altLang="ko-KR" dirty="0"/>
+            </a:br>
+            <a:endParaRPr lang="en-US" altLang="ko-KR" sz="800" dirty="0"/>
+          </a:p>
+          <a:p>
+            <a:r>
+              <a:rPr lang="ko-KR" altLang="en-US" sz="800" dirty="0"/>
+              <a:t>블로그 광고 글 작성</a:t>
+            </a:r>
+            <a:br>
+              <a:rPr lang="en-US" altLang="ko-KR" sz="800" dirty="0"/>
+            </a:br>
+            <a:r>
+              <a:rPr lang="en-US" altLang="ko-KR" sz="800" dirty="0"/>
+              <a:t>SNS</a:t>
+            </a:r>
+            <a:r>
+              <a:rPr lang="ko-KR" altLang="en-US" sz="800" dirty="0"/>
+              <a:t> 광고 게시글 작성 및 광고 적용</a:t>
+            </a:r>
+          </a:p>
+        </p:txBody>
+      </p:sp>
+      <p:sp>
+        <p:nvSpPr>
+          <p:cNvPr id="45" name="직사각형 44">
+            <a:extLst>
+              <a:ext uri="{FF2B5EF4-FFF2-40B4-BE49-F238E27FC236}">
+                <a16:creationId xmlns:a16="http://schemas.microsoft.com/office/drawing/2014/main" id="{A0D952BC-B1E4-AE71-9596-3C1687A75557}"/>
+              </a:ext>
+            </a:extLst>
+          </p:cNvPr>
+          <p:cNvSpPr/>
+          <p:nvPr/>
+        </p:nvSpPr>
+        <p:spPr>
+          <a:xfrm>
+            <a:off x="6095697" y="4607941"/>
+            <a:ext cx="1352550" cy="1042332"/>
+          </a:xfrm>
+          <a:prstGeom prst="rect">
+            <a:avLst/>
+          </a:prstGeom>
+          <a:solidFill>
+            <a:schemeClr val="bg2">
+              <a:lumMod val="25000"/>
+            </a:schemeClr>
+          </a:solidFill>
+        </p:spPr>
+        <p:style>
+          <a:lnRef idx="2">
+            <a:schemeClr val="accent1">
+              <a:shade val="15000"/>
+            </a:schemeClr>
+          </a:lnRef>
+          <a:fillRef idx="1">
+            <a:schemeClr val="accent1"/>
+          </a:fillRef>
+          <a:effectRef idx="0">
+            <a:schemeClr val="accent1"/>
+          </a:effectRef>
+          <a:fontRef idx="minor">
+            <a:schemeClr val="lt1"/>
+          </a:fontRef>
+        </p:style>
+        <p:txBody>
+          <a:bodyPr rtlCol="0" anchor="ctr"/>
+          <a:lstStyle/>
+          <a:p>
+            <a:pPr algn="ctr"/>
+            <a:r>
+              <a:rPr lang="en-US" altLang="ko-KR" dirty="0"/>
+              <a:t>11</a:t>
+            </a:r>
+            <a:r>
+              <a:rPr lang="ko-KR" altLang="en-US" dirty="0"/>
+              <a:t>월</a:t>
+            </a:r>
+            <a:br>
+              <a:rPr lang="en-US" altLang="ko-KR" dirty="0"/>
+            </a:br>
+            <a:r>
+              <a:rPr lang="en-US" altLang="ko-KR" sz="4400" dirty="0"/>
+              <a:t>28</a:t>
+            </a:r>
+            <a:endParaRPr lang="ko-KR" altLang="en-US" sz="4400" dirty="0"/>
+          </a:p>
+        </p:txBody>
+      </p:sp>
+      <p:sp>
+        <p:nvSpPr>
+          <p:cNvPr id="46" name="직사각형 45">
+            <a:extLst>
+              <a:ext uri="{FF2B5EF4-FFF2-40B4-BE49-F238E27FC236}">
+                <a16:creationId xmlns:a16="http://schemas.microsoft.com/office/drawing/2014/main" id="{0FB3527C-549C-F3EA-BC0D-EC80E8F5B2BC}"/>
+              </a:ext>
+            </a:extLst>
+          </p:cNvPr>
+          <p:cNvSpPr/>
+          <p:nvPr/>
+        </p:nvSpPr>
+        <p:spPr>
+          <a:xfrm>
+            <a:off x="6095697" y="4058823"/>
+            <a:ext cx="1352550" cy="400110"/>
+          </a:xfrm>
+          <a:prstGeom prst="rect">
+            <a:avLst/>
+          </a:prstGeom>
+          <a:solidFill>
+            <a:schemeClr val="bg2">
+              <a:lumMod val="25000"/>
+            </a:schemeClr>
+          </a:solidFill>
+          <a:ln>
+            <a:solidFill>
+              <a:schemeClr val="tx1"/>
+            </a:solidFill>
+          </a:ln>
+        </p:spPr>
+        <p:style>
+          <a:lnRef idx="2">
+            <a:schemeClr val="accent1">
+              <a:shade val="15000"/>
+            </a:schemeClr>
+          </a:lnRef>
+          <a:fillRef idx="1">
+            <a:schemeClr val="accent1"/>
+          </a:fillRef>
+          <a:effectRef idx="0">
+            <a:schemeClr val="accent1"/>
+          </a:effectRef>
+          <a:fontRef idx="minor">
+            <a:schemeClr val="lt1"/>
+          </a:fontRef>
+        </p:style>
+        <p:txBody>
+          <a:bodyPr rtlCol="0" anchor="ctr"/>
+          <a:lstStyle/>
+          <a:p>
+            <a:pPr algn="ctr"/>
+            <a:r>
+              <a:rPr lang="ko-KR" altLang="en-US" dirty="0"/>
+              <a:t>검수</a:t>
+            </a:r>
+          </a:p>
+        </p:txBody>
+      </p:sp>
+      <p:sp>
+        <p:nvSpPr>
+          <p:cNvPr id="47" name="타원 46">
+            <a:extLst>
+              <a:ext uri="{FF2B5EF4-FFF2-40B4-BE49-F238E27FC236}">
+                <a16:creationId xmlns:a16="http://schemas.microsoft.com/office/drawing/2014/main" id="{1DA90E3D-37E0-81D5-1BDE-F908F1ABF8F2}"/>
+              </a:ext>
+            </a:extLst>
+          </p:cNvPr>
+          <p:cNvSpPr/>
+          <p:nvPr/>
+        </p:nvSpPr>
+        <p:spPr>
+          <a:xfrm>
+            <a:off x="6595759" y="3555533"/>
+            <a:ext cx="352425" cy="376313"/>
+          </a:xfrm>
+          <a:prstGeom prst="ellipse">
+            <a:avLst/>
+          </a:prstGeom>
+          <a:solidFill>
+            <a:schemeClr val="tx1">
+              <a:lumMod val="85000"/>
+              <a:lumOff val="15000"/>
+            </a:schemeClr>
+          </a:solidFill>
+        </p:spPr>
+        <p:style>
+          <a:lnRef idx="2">
+            <a:schemeClr val="accent1">
+              <a:shade val="15000"/>
+            </a:schemeClr>
+          </a:lnRef>
+          <a:fillRef idx="1">
+            <a:schemeClr val="accent1"/>
+          </a:fillRef>
+          <a:effectRef idx="0">
+            <a:schemeClr val="accent1"/>
+          </a:effectRef>
+          <a:fontRef idx="minor">
+            <a:schemeClr val="lt1"/>
+          </a:fontRef>
+        </p:style>
+        <p:txBody>
+          <a:bodyPr rtlCol="0" anchor="ctr"/>
+          <a:lstStyle/>
+          <a:p>
+            <a:pPr algn="ctr"/>
+            <a:endParaRPr lang="ko-KR" altLang="en-US"/>
+          </a:p>
+        </p:txBody>
+      </p:sp>
+      <p:cxnSp>
+        <p:nvCxnSpPr>
+          <p:cNvPr id="48" name="직선 연결선 47">
+            <a:extLst>
+              <a:ext uri="{FF2B5EF4-FFF2-40B4-BE49-F238E27FC236}">
+                <a16:creationId xmlns:a16="http://schemas.microsoft.com/office/drawing/2014/main" id="{F18D56C8-98CB-1E07-EA46-2D0313FCF2F1}"/>
+              </a:ext>
+            </a:extLst>
+          </p:cNvPr>
+          <p:cNvCxnSpPr>
+            <a:stCxn id="47" idx="0"/>
+          </p:cNvCxnSpPr>
+          <p:nvPr/>
+        </p:nvCxnSpPr>
+        <p:spPr>
+          <a:xfrm flipH="1" flipV="1">
+            <a:off x="6771971" y="2293486"/>
+            <a:ext cx="1" cy="1262047"/>
+          </a:xfrm>
+          <a:prstGeom prst="line">
+            <a:avLst/>
+          </a:prstGeom>
+          <a:ln>
+            <a:solidFill>
+              <a:schemeClr val="tx1"/>
+            </a:solidFill>
+          </a:ln>
+        </p:spPr>
+        <p:style>
+          <a:lnRef idx="1">
+            <a:schemeClr val="accent1"/>
+          </a:lnRef>
+          <a:fillRef idx="0">
+            <a:schemeClr val="accent1"/>
+          </a:fillRef>
+          <a:effectRef idx="0">
+            <a:schemeClr val="accent1"/>
+          </a:effectRef>
+          <a:fontRef idx="minor">
+            <a:schemeClr val="tx1"/>
+          </a:fontRef>
+        </p:style>
+      </p:cxnSp>
+      <p:sp>
+        <p:nvSpPr>
+          <p:cNvPr id="49" name="TextBox 48">
+            <a:extLst>
+              <a:ext uri="{FF2B5EF4-FFF2-40B4-BE49-F238E27FC236}">
+                <a16:creationId xmlns:a16="http://schemas.microsoft.com/office/drawing/2014/main" id="{2185ED6E-44B6-D1D0-7C33-284E32F519AF}"/>
+              </a:ext>
+            </a:extLst>
+          </p:cNvPr>
+          <p:cNvSpPr txBox="1"/>
+          <p:nvPr/>
+        </p:nvSpPr>
+        <p:spPr>
+          <a:xfrm>
+            <a:off x="6900560" y="2277218"/>
+            <a:ext cx="1595436" cy="984885"/>
+          </a:xfrm>
+          <a:prstGeom prst="rect">
+            <a:avLst/>
+          </a:prstGeom>
+          <a:noFill/>
+        </p:spPr>
+        <p:txBody>
+          <a:bodyPr wrap="square" rtlCol="0">
+            <a:spAutoFit/>
+          </a:bodyPr>
+          <a:lstStyle/>
+          <a:p>
+            <a:r>
+              <a:rPr lang="ko-KR" altLang="en-US" dirty="0"/>
+              <a:t>검토</a:t>
+            </a:r>
+            <a:br>
+              <a:rPr lang="en-US" altLang="ko-KR" dirty="0"/>
+            </a:br>
+            <a:br>
+              <a:rPr lang="en-US" altLang="ko-KR" sz="800" dirty="0"/>
+            </a:br>
+            <a:r>
+              <a:rPr lang="ko-KR" altLang="en-US" sz="800" dirty="0"/>
+              <a:t>블로그 및 </a:t>
+            </a:r>
+            <a:r>
+              <a:rPr lang="en-US" altLang="ko-KR" sz="800" dirty="0"/>
+              <a:t>SNS </a:t>
+            </a:r>
+            <a:r>
+              <a:rPr lang="ko-KR" altLang="en-US" sz="800" dirty="0"/>
+              <a:t>광고를 통한 </a:t>
+            </a:r>
+            <a:br>
+              <a:rPr lang="en-US" altLang="ko-KR" sz="800" dirty="0"/>
+            </a:br>
+            <a:r>
+              <a:rPr lang="ko-KR" altLang="en-US" sz="800" dirty="0"/>
+              <a:t>유입 검수</a:t>
+            </a:r>
+            <a:endParaRPr lang="en-US" altLang="ko-KR" sz="800" dirty="0"/>
+          </a:p>
+          <a:p>
+            <a:r>
+              <a:rPr lang="en-US" altLang="ko-KR" sz="800" dirty="0"/>
+              <a:t>SNS</a:t>
+            </a:r>
+            <a:r>
+              <a:rPr lang="ko-KR" altLang="en-US" sz="800" dirty="0"/>
+              <a:t> 광고 게시글 도달 검수</a:t>
+            </a:r>
+            <a:br>
+              <a:rPr lang="en-US" altLang="ko-KR" sz="800" dirty="0"/>
+            </a:br>
+            <a:endParaRPr lang="ko-KR" altLang="en-US" sz="800" dirty="0"/>
+          </a:p>
+        </p:txBody>
+      </p:sp>
+      <p:sp>
+        <p:nvSpPr>
+          <p:cNvPr id="55" name="직사각형 54">
+            <a:extLst>
+              <a:ext uri="{FF2B5EF4-FFF2-40B4-BE49-F238E27FC236}">
+                <a16:creationId xmlns:a16="http://schemas.microsoft.com/office/drawing/2014/main" id="{FCE59DB9-131A-467F-55FE-6E4C4D8B2859}"/>
+              </a:ext>
+            </a:extLst>
+          </p:cNvPr>
+          <p:cNvSpPr/>
+          <p:nvPr/>
+        </p:nvSpPr>
+        <p:spPr>
+          <a:xfrm>
+            <a:off x="7733694" y="4614662"/>
+            <a:ext cx="1352550" cy="1042332"/>
+          </a:xfrm>
+          <a:prstGeom prst="rect">
+            <a:avLst/>
+          </a:prstGeom>
+          <a:solidFill>
+            <a:schemeClr val="bg2">
+              <a:lumMod val="25000"/>
+            </a:schemeClr>
+          </a:solidFill>
+        </p:spPr>
+        <p:style>
+          <a:lnRef idx="2">
+            <a:schemeClr val="accent1">
+              <a:shade val="15000"/>
+            </a:schemeClr>
+          </a:lnRef>
+          <a:fillRef idx="1">
+            <a:schemeClr val="accent1"/>
+          </a:fillRef>
+          <a:effectRef idx="0">
+            <a:schemeClr val="accent1"/>
+          </a:effectRef>
+          <a:fontRef idx="minor">
+            <a:schemeClr val="lt1"/>
+          </a:fontRef>
+        </p:style>
+        <p:txBody>
+          <a:bodyPr rtlCol="0" anchor="ctr"/>
+          <a:lstStyle/>
+          <a:p>
+            <a:pPr algn="ctr"/>
+            <a:r>
+              <a:rPr lang="en-US" altLang="ko-KR" dirty="0"/>
+              <a:t>11</a:t>
+            </a:r>
+            <a:r>
+              <a:rPr lang="ko-KR" altLang="en-US" dirty="0"/>
+              <a:t>월</a:t>
+            </a:r>
+            <a:br>
+              <a:rPr lang="en-US" altLang="ko-KR" dirty="0"/>
+            </a:br>
+            <a:r>
+              <a:rPr lang="en-US" altLang="ko-KR" sz="4400" dirty="0"/>
+              <a:t>30</a:t>
+            </a:r>
+            <a:endParaRPr lang="ko-KR" altLang="en-US" sz="4400" dirty="0"/>
+          </a:p>
+        </p:txBody>
+      </p:sp>
+      <p:sp>
+        <p:nvSpPr>
+          <p:cNvPr id="56" name="직사각형 55">
+            <a:extLst>
+              <a:ext uri="{FF2B5EF4-FFF2-40B4-BE49-F238E27FC236}">
+                <a16:creationId xmlns:a16="http://schemas.microsoft.com/office/drawing/2014/main" id="{A43A204B-7266-B061-9902-0988FCB89C22}"/>
+              </a:ext>
+            </a:extLst>
+          </p:cNvPr>
+          <p:cNvSpPr/>
+          <p:nvPr/>
+        </p:nvSpPr>
+        <p:spPr>
+          <a:xfrm>
+            <a:off x="7733694" y="4065544"/>
+            <a:ext cx="1352550" cy="400110"/>
+          </a:xfrm>
+          <a:prstGeom prst="rect">
+            <a:avLst/>
+          </a:prstGeom>
+          <a:solidFill>
+            <a:schemeClr val="bg2">
+              <a:lumMod val="25000"/>
+            </a:schemeClr>
+          </a:solidFill>
+          <a:ln>
+            <a:solidFill>
+              <a:schemeClr val="tx1"/>
+            </a:solidFill>
+          </a:ln>
+        </p:spPr>
+        <p:style>
+          <a:lnRef idx="2">
+            <a:schemeClr val="accent1">
+              <a:shade val="15000"/>
+            </a:schemeClr>
+          </a:lnRef>
+          <a:fillRef idx="1">
+            <a:schemeClr val="accent1"/>
+          </a:fillRef>
+          <a:effectRef idx="0">
+            <a:schemeClr val="accent1"/>
+          </a:effectRef>
+          <a:fontRef idx="minor">
+            <a:schemeClr val="lt1"/>
+          </a:fontRef>
+        </p:style>
+        <p:txBody>
+          <a:bodyPr rtlCol="0" anchor="ctr"/>
+          <a:lstStyle/>
+          <a:p>
+            <a:pPr algn="ctr"/>
+            <a:r>
+              <a:rPr lang="ko-KR" altLang="en-US" dirty="0"/>
+              <a:t>완료</a:t>
+            </a:r>
+          </a:p>
+        </p:txBody>
+      </p:sp>
+      <p:sp>
+        <p:nvSpPr>
+          <p:cNvPr id="57" name="타원 56">
+            <a:extLst>
+              <a:ext uri="{FF2B5EF4-FFF2-40B4-BE49-F238E27FC236}">
+                <a16:creationId xmlns:a16="http://schemas.microsoft.com/office/drawing/2014/main" id="{0FF0539F-AD04-8C09-EB0F-548AFB3390C4}"/>
+              </a:ext>
+            </a:extLst>
+          </p:cNvPr>
+          <p:cNvSpPr/>
+          <p:nvPr/>
+        </p:nvSpPr>
+        <p:spPr>
+          <a:xfrm>
+            <a:off x="8233756" y="3562254"/>
+            <a:ext cx="352425" cy="376313"/>
+          </a:xfrm>
+          <a:prstGeom prst="ellipse">
+            <a:avLst/>
+          </a:prstGeom>
+          <a:solidFill>
+            <a:schemeClr val="tx1">
+              <a:lumMod val="85000"/>
+              <a:lumOff val="15000"/>
+            </a:schemeClr>
+          </a:solidFill>
+        </p:spPr>
+        <p:style>
+          <a:lnRef idx="2">
+            <a:schemeClr val="accent1">
+              <a:shade val="15000"/>
+            </a:schemeClr>
+          </a:lnRef>
+          <a:fillRef idx="1">
+            <a:schemeClr val="accent1"/>
+          </a:fillRef>
+          <a:effectRef idx="0">
+            <a:schemeClr val="accent1"/>
+          </a:effectRef>
+          <a:fontRef idx="minor">
+            <a:schemeClr val="lt1"/>
+          </a:fontRef>
+        </p:style>
+        <p:txBody>
+          <a:bodyPr rtlCol="0" anchor="ctr"/>
+          <a:lstStyle/>
+          <a:p>
+            <a:pPr algn="ctr"/>
+            <a:endParaRPr lang="ko-KR" altLang="en-US"/>
+          </a:p>
+        </p:txBody>
+      </p:sp>
+      <p:cxnSp>
+        <p:nvCxnSpPr>
+          <p:cNvPr id="58" name="직선 연결선 57">
+            <a:extLst>
+              <a:ext uri="{FF2B5EF4-FFF2-40B4-BE49-F238E27FC236}">
+                <a16:creationId xmlns:a16="http://schemas.microsoft.com/office/drawing/2014/main" id="{9848A2FA-CFA3-900C-62CB-66A958442097}"/>
+              </a:ext>
+            </a:extLst>
+          </p:cNvPr>
+          <p:cNvCxnSpPr>
+            <a:stCxn id="57" idx="0"/>
+          </p:cNvCxnSpPr>
+          <p:nvPr/>
+        </p:nvCxnSpPr>
+        <p:spPr>
+          <a:xfrm flipH="1" flipV="1">
+            <a:off x="8409968" y="2300207"/>
+            <a:ext cx="1" cy="1262047"/>
+          </a:xfrm>
+          <a:prstGeom prst="line">
+            <a:avLst/>
+          </a:prstGeom>
+          <a:ln>
+            <a:solidFill>
+              <a:schemeClr val="tx1"/>
+            </a:solidFill>
+          </a:ln>
+        </p:spPr>
+        <p:style>
+          <a:lnRef idx="1">
+            <a:schemeClr val="accent1"/>
+          </a:lnRef>
+          <a:fillRef idx="0">
+            <a:schemeClr val="accent1"/>
+          </a:fillRef>
+          <a:effectRef idx="0">
+            <a:schemeClr val="accent1"/>
+          </a:effectRef>
+          <a:fontRef idx="minor">
+            <a:schemeClr val="tx1"/>
+          </a:fontRef>
+        </p:style>
+      </p:cxnSp>
+      <p:sp>
+        <p:nvSpPr>
+          <p:cNvPr id="59" name="TextBox 58">
+            <a:extLst>
+              <a:ext uri="{FF2B5EF4-FFF2-40B4-BE49-F238E27FC236}">
+                <a16:creationId xmlns:a16="http://schemas.microsoft.com/office/drawing/2014/main" id="{91848F76-A703-AFD4-021D-32B7EBAE89C7}"/>
+              </a:ext>
+            </a:extLst>
+          </p:cNvPr>
+          <p:cNvSpPr txBox="1"/>
+          <p:nvPr/>
+        </p:nvSpPr>
+        <p:spPr>
+          <a:xfrm>
+            <a:off x="8538557" y="2283939"/>
+            <a:ext cx="1595436" cy="615553"/>
+          </a:xfrm>
+          <a:prstGeom prst="rect">
+            <a:avLst/>
+          </a:prstGeom>
+          <a:noFill/>
+        </p:spPr>
+        <p:txBody>
+          <a:bodyPr wrap="square" rtlCol="0">
+            <a:spAutoFit/>
+          </a:bodyPr>
+          <a:lstStyle/>
+          <a:p>
+            <a:r>
+              <a:rPr lang="ko-KR" altLang="en-US" dirty="0"/>
+              <a:t>완료</a:t>
+            </a:r>
+            <a:endParaRPr lang="en-US" altLang="ko-KR" dirty="0"/>
+          </a:p>
+          <a:p>
+            <a:br>
+              <a:rPr lang="en-US" altLang="ko-KR" sz="800" dirty="0"/>
+            </a:br>
+            <a:r>
+              <a:rPr lang="ko-KR" altLang="en-US" sz="800" dirty="0"/>
+              <a:t>결과 보고</a:t>
+            </a:r>
+          </a:p>
+        </p:txBody>
+      </p:sp>
     </p:spTree>
     <p:extLst>
       <p:ext uri="{BB962C8B-B14F-4D97-AF65-F5344CB8AC3E}">
